--- a/slides/Module7-Forms.pptx
+++ b/slides/Module7-Forms.pptx
@@ -188,6 +188,11 @@
       </a:defRPr>
     </a:lvl9pPr>
   </p:defaultTextStyle>
+  <p:extLst>
+    <p:ext uri="{EFAFB233-063F-42B5-8137-9DF3F51BA10A}">
+      <p15:sldGuideLst xmlns:p15="http://schemas.microsoft.com/office/powerpoint/2012/main"/>
+    </p:ext>
+  </p:extLst>
 </p:presentation>
 </file>
 
@@ -273,7 +278,7 @@
           <a:p>
             <a:fld id="{DAD92022-172B-46E9-890C-D5D5EF228BFD}" type="datetimeFigureOut">
               <a:rPr lang="en-US" smtClean="0"/>
-              <a:t>6/5/2023</a:t>
+              <a:t>11/9/2023</a:t>
             </a:fld>
             <a:endParaRPr lang="en-US"/>
           </a:p>
@@ -1029,7 +1034,7 @@
           <a:p>
             <a:fld id="{BC7324A3-0446-446C-AB78-91213E211176}" type="datetimeFigureOut">
               <a:rPr lang="en-US" smtClean="0"/>
-              <a:t>6/5/2023</a:t>
+              <a:t>11/9/2023</a:t>
             </a:fld>
             <a:endParaRPr lang="en-US"/>
           </a:p>
@@ -1227,7 +1232,7 @@
           <a:p>
             <a:fld id="{BC7324A3-0446-446C-AB78-91213E211176}" type="datetimeFigureOut">
               <a:rPr lang="en-US" smtClean="0"/>
-              <a:t>6/5/2023</a:t>
+              <a:t>11/9/2023</a:t>
             </a:fld>
             <a:endParaRPr lang="en-US"/>
           </a:p>
@@ -1435,7 +1440,7 @@
           <a:p>
             <a:fld id="{BC7324A3-0446-446C-AB78-91213E211176}" type="datetimeFigureOut">
               <a:rPr lang="en-US" smtClean="0"/>
-              <a:t>6/5/2023</a:t>
+              <a:t>11/9/2023</a:t>
             </a:fld>
             <a:endParaRPr lang="en-US"/>
           </a:p>
@@ -1633,7 +1638,7 @@
           <a:p>
             <a:fld id="{BC7324A3-0446-446C-AB78-91213E211176}" type="datetimeFigureOut">
               <a:rPr lang="en-US" smtClean="0"/>
-              <a:t>6/5/2023</a:t>
+              <a:t>11/9/2023</a:t>
             </a:fld>
             <a:endParaRPr lang="en-US"/>
           </a:p>
@@ -1908,7 +1913,7 @@
           <a:p>
             <a:fld id="{BC7324A3-0446-446C-AB78-91213E211176}" type="datetimeFigureOut">
               <a:rPr lang="en-US" smtClean="0"/>
-              <a:t>6/5/2023</a:t>
+              <a:t>11/9/2023</a:t>
             </a:fld>
             <a:endParaRPr lang="en-US"/>
           </a:p>
@@ -2173,7 +2178,7 @@
           <a:p>
             <a:fld id="{BC7324A3-0446-446C-AB78-91213E211176}" type="datetimeFigureOut">
               <a:rPr lang="en-US" smtClean="0"/>
-              <a:t>6/5/2023</a:t>
+              <a:t>11/9/2023</a:t>
             </a:fld>
             <a:endParaRPr lang="en-US"/>
           </a:p>
@@ -2585,7 +2590,7 @@
           <a:p>
             <a:fld id="{BC7324A3-0446-446C-AB78-91213E211176}" type="datetimeFigureOut">
               <a:rPr lang="en-US" smtClean="0"/>
-              <a:t>6/5/2023</a:t>
+              <a:t>11/9/2023</a:t>
             </a:fld>
             <a:endParaRPr lang="en-US"/>
           </a:p>
@@ -2726,7 +2731,7 @@
           <a:p>
             <a:fld id="{BC7324A3-0446-446C-AB78-91213E211176}" type="datetimeFigureOut">
               <a:rPr lang="en-US" smtClean="0"/>
-              <a:t>6/5/2023</a:t>
+              <a:t>11/9/2023</a:t>
             </a:fld>
             <a:endParaRPr lang="en-US"/>
           </a:p>
@@ -2839,7 +2844,7 @@
           <a:p>
             <a:fld id="{BC7324A3-0446-446C-AB78-91213E211176}" type="datetimeFigureOut">
               <a:rPr lang="en-US" smtClean="0"/>
-              <a:t>6/5/2023</a:t>
+              <a:t>11/9/2023</a:t>
             </a:fld>
             <a:endParaRPr lang="en-US"/>
           </a:p>
@@ -3150,7 +3155,7 @@
           <a:p>
             <a:fld id="{BC7324A3-0446-446C-AB78-91213E211176}" type="datetimeFigureOut">
               <a:rPr lang="en-US" smtClean="0"/>
-              <a:t>6/5/2023</a:t>
+              <a:t>11/9/2023</a:t>
             </a:fld>
             <a:endParaRPr lang="en-US"/>
           </a:p>
@@ -3438,7 +3443,7 @@
           <a:p>
             <a:fld id="{BC7324A3-0446-446C-AB78-91213E211176}" type="datetimeFigureOut">
               <a:rPr lang="en-US" smtClean="0"/>
-              <a:t>6/5/2023</a:t>
+              <a:t>11/9/2023</a:t>
             </a:fld>
             <a:endParaRPr lang="en-US"/>
           </a:p>
@@ -3679,7 +3684,7 @@
           <a:p>
             <a:fld id="{BC7324A3-0446-446C-AB78-91213E211176}" type="datetimeFigureOut">
               <a:rPr lang="en-US" smtClean="0"/>
-              <a:t>6/5/2023</a:t>
+              <a:t>11/9/2023</a:t>
             </a:fld>
             <a:endParaRPr lang="en-US"/>
           </a:p>
@@ -4347,7 +4352,7 @@
           <a:bodyPr/>
           <a:lstStyle/>
           <a:p>
-            <a:endParaRPr lang="en-US"/>
+            <a:endParaRPr lang="en-US" dirty="0"/>
           </a:p>
         </p:txBody>
       </p:sp>
@@ -5779,7 +5784,7 @@
         </p:blipFill>
         <p:spPr>
           <a:xfrm>
-            <a:off x="-9525" y="1998636"/>
+            <a:off x="-9525" y="2010211"/>
             <a:ext cx="12201289" cy="4002113"/>
           </a:xfrm>
         </p:spPr>
@@ -6436,7 +6441,7 @@
         </p:blipFill>
         <p:spPr>
           <a:xfrm>
-            <a:off x="6096001" y="3795555"/>
+            <a:off x="6096001" y="3783980"/>
             <a:ext cx="6096000" cy="3062445"/>
           </a:xfrm>
           <a:prstGeom prst="rect">
